--- a/Lectures/14_Recursion.pptx
+++ b/Lectures/14_Recursion.pptx
@@ -22,6 +22,10 @@
     <p:sldId id="270" r:id="rId19"/>
     <p:sldId id="271" r:id="rId20"/>
     <p:sldId id="272" r:id="rId21"/>
+    <p:sldId id="273" r:id="rId22"/>
+    <p:sldId id="274" r:id="rId23"/>
+    <p:sldId id="275" r:id="rId24"/>
+    <p:sldId id="276" r:id="rId25"/>
   </p:sldIdLst>
   <p:sldSz cx="12192000" cy="6858000"/>
   <p:notesSz cx="6858000" cy="9144000"/>
@@ -121,14 +125,6 @@
     </a:lvl9pPr>
   </p:defaultTextStyle>
 </p:presentation>
-</file>
-
-<file path=ppt/revisionInfo.xml><?xml version="1.0" encoding="utf-8"?>
-<p1510:revInfo xmlns:a="http://schemas.openxmlformats.org/drawingml/2006/main" xmlns:r="http://schemas.openxmlformats.org/officeDocument/2006/relationships" xmlns:p1510="http://schemas.microsoft.com/office/powerpoint/2015/10/main">
-  <p1510:revLst>
-    <p1510:client id="{3E7DB25B-B136-486A-AEEB-A7E63EBE57C0}" v="17" dt="2025-03-19T23:08:21.148"/>
-  </p1510:revLst>
-</p1510:revInfo>
 </file>
 
 <file path=ppt/slideLayouts/slideLayout1.xml><?xml version="1.0" encoding="utf-8"?>
@@ -3396,7 +3392,7 @@
           <a:p>
             <a:r>
               <a:rPr lang="en-US"/>
-              <a:t>Lecture 14</a:t>
+              <a:t>Lecture 14 – also a pretty wild one</a:t>
             </a:r>
           </a:p>
         </p:txBody>
@@ -4173,7 +4169,7 @@
         </p:nvSpPr>
         <p:spPr>
           <a:xfrm>
-            <a:off x="9690100" y="6123543"/>
+            <a:off x="8953500" y="5827792"/>
             <a:ext cx="2946400" cy="369332"/>
           </a:xfrm>
           <a:prstGeom prst="rect">
@@ -4190,6 +4186,41 @@
             <a:r>
               <a:rPr lang="en-US"/>
               <a:t>Draw all of these out</a:t>
+            </a:r>
+          </a:p>
+        </p:txBody>
+      </p:sp>
+      <p:sp>
+        <p:nvSpPr>
+          <p:cNvPr id="6" name="TextBox 5">
+            <a:extLst>
+              <a:ext uri="{FF2B5EF4-FFF2-40B4-BE49-F238E27FC236}">
+                <a16:creationId xmlns:a16="http://schemas.microsoft.com/office/drawing/2014/main" id="{CABFE56F-8FE3-CE12-2A78-6654BC22BDD5}"/>
+              </a:ext>
+            </a:extLst>
+          </p:cNvPr>
+          <p:cNvSpPr txBox="1"/>
+          <p:nvPr/>
+        </p:nvSpPr>
+        <p:spPr>
+          <a:xfrm>
+            <a:off x="8953500" y="6217285"/>
+            <a:ext cx="2946400" cy="369332"/>
+          </a:xfrm>
+          <a:prstGeom prst="rect">
+            <a:avLst/>
+          </a:prstGeom>
+          <a:noFill/>
+        </p:spPr>
+        <p:txBody>
+          <a:bodyPr wrap="square" rtlCol="0">
+            <a:spAutoFit/>
+          </a:bodyPr>
+          <a:lstStyle/>
+          <a:p>
+            <a:r>
+              <a:rPr lang="en-US"/>
+              <a:t>Switch to code for all of these</a:t>
             </a:r>
           </a:p>
         </p:txBody>
@@ -5122,6 +5153,463 @@
 </p:sld>
 </file>
 
+<file path=ppt/slides/slide18.xml><?xml version="1.0" encoding="utf-8"?>
+<p:sld xmlns:a="http://schemas.openxmlformats.org/drawingml/2006/main" xmlns:r="http://schemas.openxmlformats.org/officeDocument/2006/relationships" xmlns:p="http://schemas.openxmlformats.org/presentationml/2006/main">
+  <p:cSld>
+    <p:spTree>
+      <p:nvGrpSpPr>
+        <p:cNvPr id="1" name=""/>
+        <p:cNvGrpSpPr/>
+        <p:nvPr/>
+      </p:nvGrpSpPr>
+      <p:grpSpPr>
+        <a:xfrm>
+          <a:off x="0" y="0"/>
+          <a:ext cx="0" cy="0"/>
+          <a:chOff x="0" y="0"/>
+          <a:chExt cx="0" cy="0"/>
+        </a:xfrm>
+      </p:grpSpPr>
+      <p:sp>
+        <p:nvSpPr>
+          <p:cNvPr id="2" name="Title 1">
+            <a:extLst>
+              <a:ext uri="{FF2B5EF4-FFF2-40B4-BE49-F238E27FC236}">
+                <a16:creationId xmlns:a16="http://schemas.microsoft.com/office/drawing/2014/main" id="{65CC6856-FD9B-411E-900F-8DE9E1273865}"/>
+              </a:ext>
+            </a:extLst>
+          </p:cNvPr>
+          <p:cNvSpPr>
+            <a:spLocks noGrp="1"/>
+          </p:cNvSpPr>
+          <p:nvPr>
+            <p:ph type="title"/>
+          </p:nvPr>
+        </p:nvSpPr>
+        <p:spPr/>
+        <p:txBody>
+          <a:bodyPr/>
+          <a:lstStyle/>
+          <a:p>
+            <a:r>
+              <a:rPr lang="en-US"/>
+              <a:t>Recursive Binary Tree</a:t>
+            </a:r>
+          </a:p>
+        </p:txBody>
+      </p:sp>
+      <p:sp>
+        <p:nvSpPr>
+          <p:cNvPr id="3" name="Content Placeholder 2">
+            <a:extLst>
+              <a:ext uri="{FF2B5EF4-FFF2-40B4-BE49-F238E27FC236}">
+                <a16:creationId xmlns:a16="http://schemas.microsoft.com/office/drawing/2014/main" id="{A967BA81-5D65-1D31-195D-5CDC87A19EFC}"/>
+              </a:ext>
+            </a:extLst>
+          </p:cNvPr>
+          <p:cNvSpPr>
+            <a:spLocks noGrp="1"/>
+          </p:cNvSpPr>
+          <p:nvPr>
+            <p:ph idx="1"/>
+          </p:nvPr>
+        </p:nvSpPr>
+        <p:spPr/>
+        <p:txBody>
+          <a:bodyPr/>
+          <a:lstStyle/>
+          <a:p>
+            <a:r>
+              <a:rPr lang="en-US"/>
+              <a:t>Trees are one of the most common data structures that we use recursion for</a:t>
+            </a:r>
+          </a:p>
+          <a:p>
+            <a:r>
+              <a:rPr lang="en-US"/>
+              <a:t>Traversals:</a:t>
+            </a:r>
+          </a:p>
+          <a:p>
+            <a:pPr lvl="1"/>
+            <a:r>
+              <a:rPr lang="en-US"/>
+              <a:t>Preorder: Note the node upon first sight</a:t>
+            </a:r>
+          </a:p>
+          <a:p>
+            <a:pPr lvl="1"/>
+            <a:r>
+              <a:rPr lang="en-US"/>
+              <a:t>Inorder: Note the node as you move to the right</a:t>
+            </a:r>
+          </a:p>
+          <a:p>
+            <a:pPr lvl="1"/>
+            <a:r>
+              <a:rPr lang="en-US"/>
+              <a:t>Postorder: Note the node upon last sight</a:t>
+            </a:r>
+          </a:p>
+          <a:p>
+            <a:r>
+              <a:rPr lang="en-US"/>
+              <a:t>Searching:</a:t>
+            </a:r>
+          </a:p>
+          <a:p>
+            <a:pPr lvl="1"/>
+            <a:r>
+              <a:rPr lang="en-US"/>
+              <a:t>If unsorted, check if the root is the node you're looking for</a:t>
+            </a:r>
+          </a:p>
+          <a:p>
+            <a:pPr lvl="1"/>
+            <a:r>
+              <a:rPr lang="en-US"/>
+              <a:t>Else, check if its in the left subtree.</a:t>
+            </a:r>
+          </a:p>
+          <a:p>
+            <a:pPr lvl="1"/>
+            <a:r>
+              <a:rPr lang="en-US"/>
+              <a:t>If it's not, check if its in the right subtree.</a:t>
+            </a:r>
+          </a:p>
+        </p:txBody>
+      </p:sp>
+    </p:spTree>
+    <p:extLst>
+      <p:ext uri="{BB962C8B-B14F-4D97-AF65-F5344CB8AC3E}">
+        <p14:creationId xmlns:p14="http://schemas.microsoft.com/office/powerpoint/2010/main" val="3131416081"/>
+      </p:ext>
+    </p:extLst>
+  </p:cSld>
+  <p:clrMapOvr>
+    <a:masterClrMapping/>
+  </p:clrMapOvr>
+</p:sld>
+</file>
+
+<file path=ppt/slides/slide19.xml><?xml version="1.0" encoding="utf-8"?>
+<p:sld xmlns:a="http://schemas.openxmlformats.org/drawingml/2006/main" xmlns:r="http://schemas.openxmlformats.org/officeDocument/2006/relationships" xmlns:p="http://schemas.openxmlformats.org/presentationml/2006/main">
+  <p:cSld>
+    <p:spTree>
+      <p:nvGrpSpPr>
+        <p:cNvPr id="1" name=""/>
+        <p:cNvGrpSpPr/>
+        <p:nvPr/>
+      </p:nvGrpSpPr>
+      <p:grpSpPr>
+        <a:xfrm>
+          <a:off x="0" y="0"/>
+          <a:ext cx="0" cy="0"/>
+          <a:chOff x="0" y="0"/>
+          <a:chExt cx="0" cy="0"/>
+        </a:xfrm>
+      </p:grpSpPr>
+      <p:sp>
+        <p:nvSpPr>
+          <p:cNvPr id="2" name="Title 1">
+            <a:extLst>
+              <a:ext uri="{FF2B5EF4-FFF2-40B4-BE49-F238E27FC236}">
+                <a16:creationId xmlns:a16="http://schemas.microsoft.com/office/drawing/2014/main" id="{65584E1E-E24C-6C90-6699-2D04D9BEADF5}"/>
+              </a:ext>
+            </a:extLst>
+          </p:cNvPr>
+          <p:cNvSpPr>
+            <a:spLocks noGrp="1"/>
+          </p:cNvSpPr>
+          <p:nvPr>
+            <p:ph type="title"/>
+          </p:nvPr>
+        </p:nvSpPr>
+        <p:spPr/>
+        <p:txBody>
+          <a:bodyPr/>
+          <a:lstStyle/>
+          <a:p>
+            <a:r>
+              <a:rPr lang="en-US"/>
+              <a:t>Recursive Binary Search</a:t>
+            </a:r>
+          </a:p>
+        </p:txBody>
+      </p:sp>
+      <p:sp>
+        <p:nvSpPr>
+          <p:cNvPr id="3" name="Content Placeholder 2">
+            <a:extLst>
+              <a:ext uri="{FF2B5EF4-FFF2-40B4-BE49-F238E27FC236}">
+                <a16:creationId xmlns:a16="http://schemas.microsoft.com/office/drawing/2014/main" id="{208A4933-7EFC-5E0D-12C0-2A0E0BDC352F}"/>
+              </a:ext>
+            </a:extLst>
+          </p:cNvPr>
+          <p:cNvSpPr>
+            <a:spLocks noGrp="1"/>
+          </p:cNvSpPr>
+          <p:nvPr>
+            <p:ph idx="1"/>
+          </p:nvPr>
+        </p:nvSpPr>
+        <p:spPr/>
+        <p:txBody>
+          <a:bodyPr/>
+          <a:lstStyle/>
+          <a:p>
+            <a:r>
+              <a:rPr lang="en-US"/>
+              <a:t>We did this iteratively back in L6 Arrays</a:t>
+            </a:r>
+          </a:p>
+          <a:p>
+            <a:r>
+              <a:rPr lang="en-US"/>
+              <a:t>In theory, any iterative algorithm can be converted to a recursive one.</a:t>
+            </a:r>
+          </a:p>
+        </p:txBody>
+      </p:sp>
+      <p:sp>
+        <p:nvSpPr>
+          <p:cNvPr id="4" name="TextBox 3">
+            <a:extLst>
+              <a:ext uri="{FF2B5EF4-FFF2-40B4-BE49-F238E27FC236}">
+                <a16:creationId xmlns:a16="http://schemas.microsoft.com/office/drawing/2014/main" id="{34A75FA4-67BE-4D45-012C-57E3C2090BDD}"/>
+              </a:ext>
+            </a:extLst>
+          </p:cNvPr>
+          <p:cNvSpPr txBox="1"/>
+          <p:nvPr/>
+        </p:nvSpPr>
+        <p:spPr>
+          <a:xfrm>
+            <a:off x="457200" y="2781300"/>
+            <a:ext cx="11506200" cy="4370427"/>
+          </a:xfrm>
+          <a:prstGeom prst="rect">
+            <a:avLst/>
+          </a:prstGeom>
+          <a:noFill/>
+        </p:spPr>
+        <p:txBody>
+          <a:bodyPr wrap="square" rtlCol="0">
+            <a:spAutoFit/>
+          </a:bodyPr>
+          <a:lstStyle/>
+          <a:p>
+            <a:r>
+              <a:rPr lang="en-US" sz="2000" b="0" i="0">
+                <a:latin typeface="Courier New" panose="02070309020205020404" pitchFamily="49" charset="0"/>
+                <a:cs typeface="Courier New" panose="02070309020205020404" pitchFamily="49" charset="0"/>
+              </a:rPr>
+              <a:t>private static int binarySearch(int[] arr, int target, int low, int high){</a:t>
+            </a:r>
+            <a:br>
+              <a:rPr lang="en-US" sz="2000" b="0" i="0">
+                <a:latin typeface="Courier New" panose="02070309020205020404" pitchFamily="49" charset="0"/>
+                <a:cs typeface="Courier New" panose="02070309020205020404" pitchFamily="49" charset="0"/>
+              </a:rPr>
+            </a:br>
+            <a:r>
+              <a:rPr lang="en-US" sz="2000" b="0" i="0">
+                <a:latin typeface="Courier New" panose="02070309020205020404" pitchFamily="49" charset="0"/>
+                <a:cs typeface="Courier New" panose="02070309020205020404" pitchFamily="49" charset="0"/>
+              </a:rPr>
+              <a:t>    if (low &gt; high) {</a:t>
+            </a:r>
+            <a:br>
+              <a:rPr lang="en-US" sz="2000" b="0" i="0">
+                <a:latin typeface="Courier New" panose="02070309020205020404" pitchFamily="49" charset="0"/>
+                <a:cs typeface="Courier New" panose="02070309020205020404" pitchFamily="49" charset="0"/>
+              </a:rPr>
+            </a:br>
+            <a:r>
+              <a:rPr lang="en-US" sz="2000" b="0" i="0">
+                <a:latin typeface="Courier New" panose="02070309020205020404" pitchFamily="49" charset="0"/>
+                <a:cs typeface="Courier New" panose="02070309020205020404" pitchFamily="49" charset="0"/>
+              </a:rPr>
+              <a:t>        return -1;</a:t>
+            </a:r>
+            <a:br>
+              <a:rPr lang="en-US" sz="2000" b="0" i="0">
+                <a:latin typeface="Courier New" panose="02070309020205020404" pitchFamily="49" charset="0"/>
+                <a:cs typeface="Courier New" panose="02070309020205020404" pitchFamily="49" charset="0"/>
+              </a:rPr>
+            </a:br>
+            <a:r>
+              <a:rPr lang="en-US" sz="2000" b="0" i="0">
+                <a:latin typeface="Courier New" panose="02070309020205020404" pitchFamily="49" charset="0"/>
+                <a:cs typeface="Courier New" panose="02070309020205020404" pitchFamily="49" charset="0"/>
+              </a:rPr>
+              <a:t>    }</a:t>
+            </a:r>
+            <a:br>
+              <a:rPr lang="en-US" sz="2000" b="0" i="0">
+                <a:latin typeface="Courier New" panose="02070309020205020404" pitchFamily="49" charset="0"/>
+                <a:cs typeface="Courier New" panose="02070309020205020404" pitchFamily="49" charset="0"/>
+              </a:rPr>
+            </a:br>
+            <a:r>
+              <a:rPr lang="en-US" sz="2000" b="0" i="0">
+                <a:latin typeface="Courier New" panose="02070309020205020404" pitchFamily="49" charset="0"/>
+                <a:cs typeface="Courier New" panose="02070309020205020404" pitchFamily="49" charset="0"/>
+              </a:rPr>
+              <a:t>    int mid = low + (high - low) / 2;</a:t>
+            </a:r>
+            <a:br>
+              <a:rPr lang="en-US" sz="2000" b="0" i="0">
+                <a:latin typeface="Courier New" panose="02070309020205020404" pitchFamily="49" charset="0"/>
+                <a:cs typeface="Courier New" panose="02070309020205020404" pitchFamily="49" charset="0"/>
+              </a:rPr>
+            </a:br>
+            <a:r>
+              <a:rPr lang="en-US" sz="2000" b="0" i="0">
+                <a:latin typeface="Courier New" panose="02070309020205020404" pitchFamily="49" charset="0"/>
+                <a:cs typeface="Courier New" panose="02070309020205020404" pitchFamily="49" charset="0"/>
+              </a:rPr>
+              <a:t>    if (arr[mid] == target) {</a:t>
+            </a:r>
+            <a:br>
+              <a:rPr lang="en-US" sz="2000" b="0" i="0">
+                <a:latin typeface="Courier New" panose="02070309020205020404" pitchFamily="49" charset="0"/>
+                <a:cs typeface="Courier New" panose="02070309020205020404" pitchFamily="49" charset="0"/>
+              </a:rPr>
+            </a:br>
+            <a:r>
+              <a:rPr lang="en-US" sz="2000" b="0" i="0">
+                <a:latin typeface="Courier New" panose="02070309020205020404" pitchFamily="49" charset="0"/>
+                <a:cs typeface="Courier New" panose="02070309020205020404" pitchFamily="49" charset="0"/>
+              </a:rPr>
+              <a:t>        return mid;</a:t>
+            </a:r>
+            <a:br>
+              <a:rPr lang="en-US" sz="2000" b="0" i="0">
+                <a:latin typeface="Courier New" panose="02070309020205020404" pitchFamily="49" charset="0"/>
+                <a:cs typeface="Courier New" panose="02070309020205020404" pitchFamily="49" charset="0"/>
+              </a:rPr>
+            </a:br>
+            <a:r>
+              <a:rPr lang="en-US" sz="2000" b="0" i="0">
+                <a:latin typeface="Courier New" panose="02070309020205020404" pitchFamily="49" charset="0"/>
+                <a:cs typeface="Courier New" panose="02070309020205020404" pitchFamily="49" charset="0"/>
+              </a:rPr>
+              <a:t>    }</a:t>
+            </a:r>
+            <a:br>
+              <a:rPr lang="en-US" sz="2000" b="0" i="0">
+                <a:latin typeface="Courier New" panose="02070309020205020404" pitchFamily="49" charset="0"/>
+                <a:cs typeface="Courier New" panose="02070309020205020404" pitchFamily="49" charset="0"/>
+              </a:rPr>
+            </a:br>
+            <a:r>
+              <a:rPr lang="en-US" sz="2000" b="0" i="0">
+                <a:latin typeface="Courier New" panose="02070309020205020404" pitchFamily="49" charset="0"/>
+                <a:cs typeface="Courier New" panose="02070309020205020404" pitchFamily="49" charset="0"/>
+              </a:rPr>
+              <a:t>    if (arr[mid] &gt; target) {</a:t>
+            </a:r>
+            <a:br>
+              <a:rPr lang="en-US" sz="2000" b="0" i="0">
+                <a:latin typeface="Courier New" panose="02070309020205020404" pitchFamily="49" charset="0"/>
+                <a:cs typeface="Courier New" panose="02070309020205020404" pitchFamily="49" charset="0"/>
+              </a:rPr>
+            </a:br>
+            <a:r>
+              <a:rPr lang="en-US" sz="2000" b="0" i="0">
+                <a:latin typeface="Courier New" panose="02070309020205020404" pitchFamily="49" charset="0"/>
+                <a:cs typeface="Courier New" panose="02070309020205020404" pitchFamily="49" charset="0"/>
+              </a:rPr>
+              <a:t>        return </a:t>
+            </a:r>
+            <a:r>
+              <a:rPr lang="en-US" sz="2000" b="0" i="1">
+                <a:latin typeface="Courier New" panose="02070309020205020404" pitchFamily="49" charset="0"/>
+                <a:cs typeface="Courier New" panose="02070309020205020404" pitchFamily="49" charset="0"/>
+              </a:rPr>
+              <a:t>binarySearch</a:t>
+            </a:r>
+            <a:r>
+              <a:rPr lang="en-US" sz="2000" b="0" i="0">
+                <a:latin typeface="Courier New" panose="02070309020205020404" pitchFamily="49" charset="0"/>
+                <a:cs typeface="Courier New" panose="02070309020205020404" pitchFamily="49" charset="0"/>
+              </a:rPr>
+              <a:t>(arr, target, low, mid - 1);</a:t>
+            </a:r>
+            <a:br>
+              <a:rPr lang="en-US" sz="2000" b="0" i="0">
+                <a:latin typeface="Courier New" panose="02070309020205020404" pitchFamily="49" charset="0"/>
+                <a:cs typeface="Courier New" panose="02070309020205020404" pitchFamily="49" charset="0"/>
+              </a:rPr>
+            </a:br>
+            <a:r>
+              <a:rPr lang="en-US" sz="2000" b="0" i="0">
+                <a:latin typeface="Courier New" panose="02070309020205020404" pitchFamily="49" charset="0"/>
+                <a:cs typeface="Courier New" panose="02070309020205020404" pitchFamily="49" charset="0"/>
+              </a:rPr>
+              <a:t>    }</a:t>
+            </a:r>
+            <a:br>
+              <a:rPr lang="en-US" sz="2000" b="0" i="0">
+                <a:latin typeface="Courier New" panose="02070309020205020404" pitchFamily="49" charset="0"/>
+                <a:cs typeface="Courier New" panose="02070309020205020404" pitchFamily="49" charset="0"/>
+              </a:rPr>
+            </a:br>
+            <a:r>
+              <a:rPr lang="en-US" sz="2000" b="0" i="0">
+                <a:latin typeface="Courier New" panose="02070309020205020404" pitchFamily="49" charset="0"/>
+                <a:cs typeface="Courier New" panose="02070309020205020404" pitchFamily="49" charset="0"/>
+              </a:rPr>
+              <a:t>    return </a:t>
+            </a:r>
+            <a:r>
+              <a:rPr lang="en-US" sz="2000" b="0" i="1">
+                <a:latin typeface="Courier New" panose="02070309020205020404" pitchFamily="49" charset="0"/>
+                <a:cs typeface="Courier New" panose="02070309020205020404" pitchFamily="49" charset="0"/>
+              </a:rPr>
+              <a:t>binarySearch</a:t>
+            </a:r>
+            <a:r>
+              <a:rPr lang="en-US" sz="2000" b="0" i="0">
+                <a:latin typeface="Courier New" panose="02070309020205020404" pitchFamily="49" charset="0"/>
+                <a:cs typeface="Courier New" panose="02070309020205020404" pitchFamily="49" charset="0"/>
+              </a:rPr>
+              <a:t>(arr, target, mid + 1, high);</a:t>
+            </a:r>
+            <a:br>
+              <a:rPr lang="en-US" sz="2000" b="0" i="0">
+                <a:latin typeface="Courier New" panose="02070309020205020404" pitchFamily="49" charset="0"/>
+                <a:cs typeface="Courier New" panose="02070309020205020404" pitchFamily="49" charset="0"/>
+              </a:rPr>
+            </a:br>
+            <a:r>
+              <a:rPr lang="en-US" sz="2000" b="0" i="0">
+                <a:latin typeface="Courier New" panose="02070309020205020404" pitchFamily="49" charset="0"/>
+                <a:cs typeface="Courier New" panose="02070309020205020404" pitchFamily="49" charset="0"/>
+              </a:rPr>
+              <a:t>}</a:t>
+            </a:r>
+          </a:p>
+          <a:p>
+            <a:endParaRPr lang="en-US"/>
+          </a:p>
+        </p:txBody>
+      </p:sp>
+    </p:spTree>
+    <p:extLst>
+      <p:ext uri="{BB962C8B-B14F-4D97-AF65-F5344CB8AC3E}">
+        <p14:creationId xmlns:p14="http://schemas.microsoft.com/office/powerpoint/2010/main" val="3548669155"/>
+      </p:ext>
+    </p:extLst>
+  </p:cSld>
+  <p:clrMapOvr>
+    <a:masterClrMapping/>
+  </p:clrMapOvr>
+</p:sld>
+</file>
+
 <file path=ppt/slides/slide2.xml><?xml version="1.0" encoding="utf-8"?>
 <p:sld xmlns:a="http://schemas.openxmlformats.org/drawingml/2006/main" xmlns:r="http://schemas.openxmlformats.org/officeDocument/2006/relationships" xmlns:p="http://schemas.openxmlformats.org/presentationml/2006/main">
   <p:cSld>
@@ -5235,6 +5723,450 @@
     <p:extLst>
       <p:ext uri="{BB962C8B-B14F-4D97-AF65-F5344CB8AC3E}">
         <p14:creationId xmlns:p14="http://schemas.microsoft.com/office/powerpoint/2010/main" val="1442403211"/>
+      </p:ext>
+    </p:extLst>
+  </p:cSld>
+  <p:clrMapOvr>
+    <a:masterClrMapping/>
+  </p:clrMapOvr>
+</p:sld>
+</file>
+
+<file path=ppt/slides/slide20.xml><?xml version="1.0" encoding="utf-8"?>
+<p:sld xmlns:a="http://schemas.openxmlformats.org/drawingml/2006/main" xmlns:r="http://schemas.openxmlformats.org/officeDocument/2006/relationships" xmlns:p="http://schemas.openxmlformats.org/presentationml/2006/main">
+  <p:cSld>
+    <p:spTree>
+      <p:nvGrpSpPr>
+        <p:cNvPr id="1" name=""/>
+        <p:cNvGrpSpPr/>
+        <p:nvPr/>
+      </p:nvGrpSpPr>
+      <p:grpSpPr>
+        <a:xfrm>
+          <a:off x="0" y="0"/>
+          <a:ext cx="0" cy="0"/>
+          <a:chOff x="0" y="0"/>
+          <a:chExt cx="0" cy="0"/>
+        </a:xfrm>
+      </p:grpSpPr>
+      <p:sp>
+        <p:nvSpPr>
+          <p:cNvPr id="2" name="Title 1">
+            <a:extLst>
+              <a:ext uri="{FF2B5EF4-FFF2-40B4-BE49-F238E27FC236}">
+                <a16:creationId xmlns:a16="http://schemas.microsoft.com/office/drawing/2014/main" id="{0200C665-64D3-126F-F0F3-15CFE0183352}"/>
+              </a:ext>
+            </a:extLst>
+          </p:cNvPr>
+          <p:cNvSpPr>
+            <a:spLocks noGrp="1"/>
+          </p:cNvSpPr>
+          <p:nvPr>
+            <p:ph type="title"/>
+          </p:nvPr>
+        </p:nvSpPr>
+        <p:spPr/>
+        <p:txBody>
+          <a:bodyPr/>
+          <a:lstStyle/>
+          <a:p>
+            <a:r>
+              <a:rPr lang="en-US"/>
+              <a:t>Memoization</a:t>
+            </a:r>
+          </a:p>
+        </p:txBody>
+      </p:sp>
+      <p:sp>
+        <p:nvSpPr>
+          <p:cNvPr id="3" name="Content Placeholder 2">
+            <a:extLst>
+              <a:ext uri="{FF2B5EF4-FFF2-40B4-BE49-F238E27FC236}">
+                <a16:creationId xmlns:a16="http://schemas.microsoft.com/office/drawing/2014/main" id="{84B7CF6F-F44E-6B72-AE13-F1463B0D9A7F}"/>
+              </a:ext>
+            </a:extLst>
+          </p:cNvPr>
+          <p:cNvSpPr>
+            <a:spLocks noGrp="1"/>
+          </p:cNvSpPr>
+          <p:nvPr>
+            <p:ph idx="1"/>
+          </p:nvPr>
+        </p:nvSpPr>
+        <p:spPr/>
+        <p:txBody>
+          <a:bodyPr/>
+          <a:lstStyle/>
+          <a:p>
+            <a:r>
+              <a:rPr lang="en-US"/>
+              <a:t>Caching values to remove repetitive recursive cases</a:t>
+            </a:r>
+          </a:p>
+          <a:p>
+            <a:pPr lvl="1"/>
+            <a:r>
+              <a:rPr lang="en-US"/>
+              <a:t>Once we find fibonacci(5), we don’t need to recurse through its subcalls again.</a:t>
+            </a:r>
+          </a:p>
+          <a:p>
+            <a:r>
+              <a:rPr lang="en-US"/>
+              <a:t>We store previously solved values in a Map, which is an object holding a set of key-value pairs</a:t>
+            </a:r>
+          </a:p>
+          <a:p>
+            <a:pPr lvl="1"/>
+            <a:r>
+              <a:rPr lang="en-US"/>
+              <a:t>Need to define it as HashMap as Map is an interface</a:t>
+            </a:r>
+          </a:p>
+          <a:p>
+            <a:pPr lvl="1"/>
+            <a:r>
+              <a:rPr lang="en-US"/>
+              <a:t>map.get(key) produces a value at that key</a:t>
+            </a:r>
+          </a:p>
+          <a:p>
+            <a:pPr lvl="1"/>
+            <a:r>
+              <a:rPr lang="en-US"/>
+              <a:t>map.put(key, value) puts a value at that key</a:t>
+            </a:r>
+          </a:p>
+          <a:p>
+            <a:pPr lvl="1"/>
+            <a:endParaRPr lang="en-US"/>
+          </a:p>
+        </p:txBody>
+      </p:sp>
+    </p:spTree>
+    <p:extLst>
+      <p:ext uri="{BB962C8B-B14F-4D97-AF65-F5344CB8AC3E}">
+        <p14:creationId xmlns:p14="http://schemas.microsoft.com/office/powerpoint/2010/main" val="55819666"/>
+      </p:ext>
+    </p:extLst>
+  </p:cSld>
+  <p:clrMapOvr>
+    <a:masterClrMapping/>
+  </p:clrMapOvr>
+</p:sld>
+</file>
+
+<file path=ppt/slides/slide21.xml><?xml version="1.0" encoding="utf-8"?>
+<p:sld xmlns:a="http://schemas.openxmlformats.org/drawingml/2006/main" xmlns:r="http://schemas.openxmlformats.org/officeDocument/2006/relationships" xmlns:p="http://schemas.openxmlformats.org/presentationml/2006/main">
+  <p:cSld>
+    <p:spTree>
+      <p:nvGrpSpPr>
+        <p:cNvPr id="1" name=""/>
+        <p:cNvGrpSpPr/>
+        <p:nvPr/>
+      </p:nvGrpSpPr>
+      <p:grpSpPr>
+        <a:xfrm>
+          <a:off x="0" y="0"/>
+          <a:ext cx="0" cy="0"/>
+          <a:chOff x="0" y="0"/>
+          <a:chExt cx="0" cy="0"/>
+        </a:xfrm>
+      </p:grpSpPr>
+      <p:sp>
+        <p:nvSpPr>
+          <p:cNvPr id="2" name="Title 1">
+            <a:extLst>
+              <a:ext uri="{FF2B5EF4-FFF2-40B4-BE49-F238E27FC236}">
+                <a16:creationId xmlns:a16="http://schemas.microsoft.com/office/drawing/2014/main" id="{B0683EFD-FE03-24B7-49E3-F3EA5307F5BD}"/>
+              </a:ext>
+            </a:extLst>
+          </p:cNvPr>
+          <p:cNvSpPr>
+            <a:spLocks noGrp="1"/>
+          </p:cNvSpPr>
+          <p:nvPr>
+            <p:ph type="title"/>
+          </p:nvPr>
+        </p:nvSpPr>
+        <p:spPr/>
+        <p:txBody>
+          <a:bodyPr/>
+          <a:lstStyle/>
+          <a:p>
+            <a:r>
+              <a:rPr lang="en-US"/>
+              <a:t>Combinatorics/Permutations</a:t>
+            </a:r>
+          </a:p>
+        </p:txBody>
+      </p:sp>
+      <p:sp>
+        <p:nvSpPr>
+          <p:cNvPr id="3" name="Content Placeholder 2">
+            <a:extLst>
+              <a:ext uri="{FF2B5EF4-FFF2-40B4-BE49-F238E27FC236}">
+                <a16:creationId xmlns:a16="http://schemas.microsoft.com/office/drawing/2014/main" id="{A1BD5E7C-9F22-4607-FBB0-A31098FACA74}"/>
+              </a:ext>
+            </a:extLst>
+          </p:cNvPr>
+          <p:cNvSpPr>
+            <a:spLocks noGrp="1"/>
+          </p:cNvSpPr>
+          <p:nvPr>
+            <p:ph idx="1"/>
+          </p:nvPr>
+        </p:nvSpPr>
+        <p:spPr/>
+        <p:txBody>
+          <a:bodyPr/>
+          <a:lstStyle/>
+          <a:p>
+            <a:r>
+              <a:rPr lang="en-US"/>
+              <a:t>When we want to completely exhaust a search space, we can use recursion to gather all possible combinations within our set</a:t>
+            </a:r>
+          </a:p>
+        </p:txBody>
+      </p:sp>
+      <p:sp>
+        <p:nvSpPr>
+          <p:cNvPr id="4" name="TextBox 3">
+            <a:extLst>
+              <a:ext uri="{FF2B5EF4-FFF2-40B4-BE49-F238E27FC236}">
+                <a16:creationId xmlns:a16="http://schemas.microsoft.com/office/drawing/2014/main" id="{3FCDD847-60BA-E90F-B428-5B7090CF9B42}"/>
+              </a:ext>
+            </a:extLst>
+          </p:cNvPr>
+          <p:cNvSpPr txBox="1"/>
+          <p:nvPr/>
+        </p:nvSpPr>
+        <p:spPr>
+          <a:xfrm>
+            <a:off x="9004300" y="5988734"/>
+            <a:ext cx="2946400" cy="646331"/>
+          </a:xfrm>
+          <a:prstGeom prst="rect">
+            <a:avLst/>
+          </a:prstGeom>
+          <a:noFill/>
+        </p:spPr>
+        <p:txBody>
+          <a:bodyPr wrap="square" rtlCol="0">
+            <a:spAutoFit/>
+          </a:bodyPr>
+          <a:lstStyle/>
+          <a:p>
+            <a:r>
+              <a:rPr lang="en-US"/>
+              <a:t>Switch to code combinatorics, permutations</a:t>
+            </a:r>
+          </a:p>
+        </p:txBody>
+      </p:sp>
+      <p:sp>
+        <p:nvSpPr>
+          <p:cNvPr id="5" name="TextBox 4">
+            <a:extLst>
+              <a:ext uri="{FF2B5EF4-FFF2-40B4-BE49-F238E27FC236}">
+                <a16:creationId xmlns:a16="http://schemas.microsoft.com/office/drawing/2014/main" id="{D99C9C4F-7ABC-8C1C-7FFC-29D2728F705D}"/>
+              </a:ext>
+            </a:extLst>
+          </p:cNvPr>
+          <p:cNvSpPr txBox="1"/>
+          <p:nvPr/>
+        </p:nvSpPr>
+        <p:spPr>
+          <a:xfrm>
+            <a:off x="838200" y="3708400"/>
+            <a:ext cx="5321300" cy="2246769"/>
+          </a:xfrm>
+          <a:prstGeom prst="rect">
+            <a:avLst/>
+          </a:prstGeom>
+          <a:noFill/>
+        </p:spPr>
+        <p:txBody>
+          <a:bodyPr wrap="square" rtlCol="0">
+            <a:spAutoFit/>
+          </a:bodyPr>
+          <a:lstStyle/>
+          <a:p>
+            <a:r>
+              <a:rPr lang="en-US" sz="2000">
+                <a:latin typeface="Courier New" panose="02070309020205020404" pitchFamily="49" charset="0"/>
+                <a:cs typeface="Courier New" panose="02070309020205020404" pitchFamily="49" charset="0"/>
+              </a:rPr>
+              <a:t>All permutations of ABC:</a:t>
+            </a:r>
+          </a:p>
+          <a:p>
+            <a:r>
+              <a:rPr lang="en-US" sz="2000">
+                <a:latin typeface="Courier New" panose="02070309020205020404" pitchFamily="49" charset="0"/>
+                <a:cs typeface="Courier New" panose="02070309020205020404" pitchFamily="49" charset="0"/>
+              </a:rPr>
+              <a:t>ABC</a:t>
+            </a:r>
+          </a:p>
+          <a:p>
+            <a:r>
+              <a:rPr lang="en-US" sz="2000">
+                <a:latin typeface="Courier New" panose="02070309020205020404" pitchFamily="49" charset="0"/>
+                <a:cs typeface="Courier New" panose="02070309020205020404" pitchFamily="49" charset="0"/>
+              </a:rPr>
+              <a:t>ACB</a:t>
+            </a:r>
+          </a:p>
+          <a:p>
+            <a:r>
+              <a:rPr lang="en-US" sz="2000">
+                <a:latin typeface="Courier New" panose="02070309020205020404" pitchFamily="49" charset="0"/>
+                <a:cs typeface="Courier New" panose="02070309020205020404" pitchFamily="49" charset="0"/>
+              </a:rPr>
+              <a:t>BAC</a:t>
+            </a:r>
+          </a:p>
+          <a:p>
+            <a:r>
+              <a:rPr lang="en-US" sz="2000">
+                <a:latin typeface="Courier New" panose="02070309020205020404" pitchFamily="49" charset="0"/>
+                <a:cs typeface="Courier New" panose="02070309020205020404" pitchFamily="49" charset="0"/>
+              </a:rPr>
+              <a:t>BCA</a:t>
+            </a:r>
+          </a:p>
+          <a:p>
+            <a:r>
+              <a:rPr lang="en-US" sz="2000">
+                <a:latin typeface="Courier New" panose="02070309020205020404" pitchFamily="49" charset="0"/>
+                <a:cs typeface="Courier New" panose="02070309020205020404" pitchFamily="49" charset="0"/>
+              </a:rPr>
+              <a:t>CBA</a:t>
+            </a:r>
+          </a:p>
+          <a:p>
+            <a:r>
+              <a:rPr lang="en-US" sz="2000">
+                <a:latin typeface="Courier New" panose="02070309020205020404" pitchFamily="49" charset="0"/>
+                <a:cs typeface="Courier New" panose="02070309020205020404" pitchFamily="49" charset="0"/>
+              </a:rPr>
+              <a:t>CAB</a:t>
+            </a:r>
+          </a:p>
+        </p:txBody>
+      </p:sp>
+      <p:sp>
+        <p:nvSpPr>
+          <p:cNvPr id="6" name="TextBox 5">
+            <a:extLst>
+              <a:ext uri="{FF2B5EF4-FFF2-40B4-BE49-F238E27FC236}">
+                <a16:creationId xmlns:a16="http://schemas.microsoft.com/office/drawing/2014/main" id="{38CA92BD-BF95-32D4-C167-10D099F9B034}"/>
+              </a:ext>
+            </a:extLst>
+          </p:cNvPr>
+          <p:cNvSpPr txBox="1"/>
+          <p:nvPr/>
+        </p:nvSpPr>
+        <p:spPr>
+          <a:xfrm>
+            <a:off x="5524500" y="3708400"/>
+            <a:ext cx="6426200" cy="2862322"/>
+          </a:xfrm>
+          <a:prstGeom prst="rect">
+            <a:avLst/>
+          </a:prstGeom>
+          <a:noFill/>
+        </p:spPr>
+        <p:txBody>
+          <a:bodyPr wrap="square" rtlCol="0">
+            <a:spAutoFit/>
+          </a:bodyPr>
+          <a:lstStyle/>
+          <a:p>
+            <a:r>
+              <a:rPr lang="en-US" sz="2000">
+                <a:latin typeface="Courier New" panose="02070309020205020404" pitchFamily="49" charset="0"/>
+                <a:cs typeface="Courier New" panose="02070309020205020404" pitchFamily="49" charset="0"/>
+              </a:rPr>
+              <a:t>All combinations from the set {1, 2, 3}:</a:t>
+            </a:r>
+          </a:p>
+          <a:p>
+            <a:endParaRPr lang="en-US" sz="2000">
+              <a:latin typeface="Courier New" panose="02070309020205020404" pitchFamily="49" charset="0"/>
+              <a:cs typeface="Courier New" panose="02070309020205020404" pitchFamily="49" charset="0"/>
+            </a:endParaRPr>
+          </a:p>
+          <a:p>
+            <a:r>
+              <a:rPr lang="en-US" sz="2000">
+                <a:latin typeface="Courier New" panose="02070309020205020404" pitchFamily="49" charset="0"/>
+                <a:cs typeface="Courier New" panose="02070309020205020404" pitchFamily="49" charset="0"/>
+              </a:rPr>
+              <a:t>1 </a:t>
+            </a:r>
+          </a:p>
+          <a:p>
+            <a:r>
+              <a:rPr lang="en-US" sz="2000">
+                <a:latin typeface="Courier New" panose="02070309020205020404" pitchFamily="49" charset="0"/>
+                <a:cs typeface="Courier New" panose="02070309020205020404" pitchFamily="49" charset="0"/>
+              </a:rPr>
+              <a:t>2 </a:t>
+            </a:r>
+          </a:p>
+          <a:p>
+            <a:r>
+              <a:rPr lang="en-US" sz="2000">
+                <a:latin typeface="Courier New" panose="02070309020205020404" pitchFamily="49" charset="0"/>
+                <a:cs typeface="Courier New" panose="02070309020205020404" pitchFamily="49" charset="0"/>
+              </a:rPr>
+              <a:t>3 </a:t>
+            </a:r>
+          </a:p>
+          <a:p>
+            <a:r>
+              <a:rPr lang="en-US" sz="2000">
+                <a:latin typeface="Courier New" panose="02070309020205020404" pitchFamily="49" charset="0"/>
+                <a:cs typeface="Courier New" panose="02070309020205020404" pitchFamily="49" charset="0"/>
+              </a:rPr>
+              <a:t>1 2 </a:t>
+            </a:r>
+          </a:p>
+          <a:p>
+            <a:r>
+              <a:rPr lang="en-US" sz="2000">
+                <a:latin typeface="Courier New" panose="02070309020205020404" pitchFamily="49" charset="0"/>
+                <a:cs typeface="Courier New" panose="02070309020205020404" pitchFamily="49" charset="0"/>
+              </a:rPr>
+              <a:t>1 3 </a:t>
+            </a:r>
+          </a:p>
+          <a:p>
+            <a:r>
+              <a:rPr lang="en-US" sz="2000">
+                <a:latin typeface="Courier New" panose="02070309020205020404" pitchFamily="49" charset="0"/>
+                <a:cs typeface="Courier New" panose="02070309020205020404" pitchFamily="49" charset="0"/>
+              </a:rPr>
+              <a:t>2 3 </a:t>
+            </a:r>
+          </a:p>
+          <a:p>
+            <a:r>
+              <a:rPr lang="en-US" sz="2000">
+                <a:latin typeface="Courier New" panose="02070309020205020404" pitchFamily="49" charset="0"/>
+                <a:cs typeface="Courier New" panose="02070309020205020404" pitchFamily="49" charset="0"/>
+              </a:rPr>
+              <a:t>1 2 3 </a:t>
+            </a:r>
+          </a:p>
+        </p:txBody>
+      </p:sp>
+    </p:spTree>
+    <p:extLst>
+      <p:ext uri="{BB962C8B-B14F-4D97-AF65-F5344CB8AC3E}">
+        <p14:creationId xmlns:p14="http://schemas.microsoft.com/office/powerpoint/2010/main" val="3594051999"/>
       </p:ext>
     </p:extLst>
   </p:cSld>

--- a/Lectures/14_Recursion.pptx
+++ b/Lectures/14_Recursion.pptx
@@ -124,6 +124,11 @@
       </a:defRPr>
     </a:lvl9pPr>
   </p:defaultTextStyle>
+  <p:extLst>
+    <p:ext uri="{EFAFB233-063F-42B5-8137-9DF3F51BA10A}">
+      <p15:sldGuideLst xmlns:p15="http://schemas.microsoft.com/office/powerpoint/2012/main"/>
+    </p:ext>
+  </p:extLst>
 </p:presentation>
 </file>
 
@@ -274,7 +279,7 @@
           <a:p>
             <a:fld id="{7115A7F8-6089-43A3-9CA0-46A95D985806}" type="datetimeFigureOut">
               <a:rPr lang="en-US" smtClean="0"/>
-              <a:t>3/19/2025</a:t>
+              <a:t>3/26/2025</a:t>
             </a:fld>
             <a:endParaRPr lang="en-US"/>
           </a:p>
@@ -472,7 +477,7 @@
           <a:p>
             <a:fld id="{7115A7F8-6089-43A3-9CA0-46A95D985806}" type="datetimeFigureOut">
               <a:rPr lang="en-US" smtClean="0"/>
-              <a:t>3/19/2025</a:t>
+              <a:t>3/26/2025</a:t>
             </a:fld>
             <a:endParaRPr lang="en-US"/>
           </a:p>
@@ -680,7 +685,7 @@
           <a:p>
             <a:fld id="{7115A7F8-6089-43A3-9CA0-46A95D985806}" type="datetimeFigureOut">
               <a:rPr lang="en-US" smtClean="0"/>
-              <a:t>3/19/2025</a:t>
+              <a:t>3/26/2025</a:t>
             </a:fld>
             <a:endParaRPr lang="en-US"/>
           </a:p>
@@ -878,7 +883,7 @@
           <a:p>
             <a:fld id="{7115A7F8-6089-43A3-9CA0-46A95D985806}" type="datetimeFigureOut">
               <a:rPr lang="en-US" smtClean="0"/>
-              <a:t>3/19/2025</a:t>
+              <a:t>3/26/2025</a:t>
             </a:fld>
             <a:endParaRPr lang="en-US"/>
           </a:p>
@@ -1153,7 +1158,7 @@
           <a:p>
             <a:fld id="{7115A7F8-6089-43A3-9CA0-46A95D985806}" type="datetimeFigureOut">
               <a:rPr lang="en-US" smtClean="0"/>
-              <a:t>3/19/2025</a:t>
+              <a:t>3/26/2025</a:t>
             </a:fld>
             <a:endParaRPr lang="en-US"/>
           </a:p>
@@ -1418,7 +1423,7 @@
           <a:p>
             <a:fld id="{7115A7F8-6089-43A3-9CA0-46A95D985806}" type="datetimeFigureOut">
               <a:rPr lang="en-US" smtClean="0"/>
-              <a:t>3/19/2025</a:t>
+              <a:t>3/26/2025</a:t>
             </a:fld>
             <a:endParaRPr lang="en-US"/>
           </a:p>
@@ -1830,7 +1835,7 @@
           <a:p>
             <a:fld id="{7115A7F8-6089-43A3-9CA0-46A95D985806}" type="datetimeFigureOut">
               <a:rPr lang="en-US" smtClean="0"/>
-              <a:t>3/19/2025</a:t>
+              <a:t>3/26/2025</a:t>
             </a:fld>
             <a:endParaRPr lang="en-US"/>
           </a:p>
@@ -1971,7 +1976,7 @@
           <a:p>
             <a:fld id="{7115A7F8-6089-43A3-9CA0-46A95D985806}" type="datetimeFigureOut">
               <a:rPr lang="en-US" smtClean="0"/>
-              <a:t>3/19/2025</a:t>
+              <a:t>3/26/2025</a:t>
             </a:fld>
             <a:endParaRPr lang="en-US"/>
           </a:p>
@@ -2084,7 +2089,7 @@
           <a:p>
             <a:fld id="{7115A7F8-6089-43A3-9CA0-46A95D985806}" type="datetimeFigureOut">
               <a:rPr lang="en-US" smtClean="0"/>
-              <a:t>3/19/2025</a:t>
+              <a:t>3/26/2025</a:t>
             </a:fld>
             <a:endParaRPr lang="en-US"/>
           </a:p>
@@ -2395,7 +2400,7 @@
           <a:p>
             <a:fld id="{7115A7F8-6089-43A3-9CA0-46A95D985806}" type="datetimeFigureOut">
               <a:rPr lang="en-US" smtClean="0"/>
-              <a:t>3/19/2025</a:t>
+              <a:t>3/26/2025</a:t>
             </a:fld>
             <a:endParaRPr lang="en-US"/>
           </a:p>
@@ -2683,7 +2688,7 @@
           <a:p>
             <a:fld id="{7115A7F8-6089-43A3-9CA0-46A95D985806}" type="datetimeFigureOut">
               <a:rPr lang="en-US" smtClean="0"/>
-              <a:t>3/19/2025</a:t>
+              <a:t>3/26/2025</a:t>
             </a:fld>
             <a:endParaRPr lang="en-US"/>
           </a:p>
@@ -2924,7 +2929,7 @@
           <a:p>
             <a:fld id="{7115A7F8-6089-43A3-9CA0-46A95D985806}" type="datetimeFigureOut">
               <a:rPr lang="en-US" smtClean="0"/>
-              <a:t>3/19/2025</a:t>
+              <a:t>3/26/2025</a:t>
             </a:fld>
             <a:endParaRPr lang="en-US"/>
           </a:p>
@@ -3391,7 +3396,7 @@
           <a:lstStyle/>
           <a:p>
             <a:r>
-              <a:rPr lang="en-US"/>
+              <a:rPr lang="en-US" dirty="0"/>
               <a:t>Lecture 14 – also a pretty wild one</a:t>
             </a:r>
           </a:p>
@@ -3477,74 +3482,74 @@
           <a:lstStyle/>
           <a:p>
             <a:r>
-              <a:rPr lang="en-US"/>
-              <a:t>Measures how execution time grows with input size</a:t>
-            </a:r>
-          </a:p>
-          <a:p>
-            <a:r>
-              <a:rPr lang="en-US"/>
+              <a:rPr lang="en-US" dirty="0"/>
+              <a:t>Measures how number of operations grows with input size</a:t>
+            </a:r>
+          </a:p>
+          <a:p>
+            <a:r>
+              <a:rPr lang="en-US" dirty="0"/>
               <a:t>Execution time depends on:</a:t>
             </a:r>
           </a:p>
           <a:p>
             <a:pPr lvl="1"/>
             <a:r>
-              <a:rPr lang="en-US"/>
+              <a:rPr lang="en-US" dirty="0"/>
               <a:t>Number of operations</a:t>
             </a:r>
           </a:p>
           <a:p>
             <a:pPr lvl="1"/>
             <a:r>
-              <a:rPr lang="en-US"/>
+              <a:rPr lang="en-US" dirty="0"/>
               <a:t>Types of operations</a:t>
             </a:r>
           </a:p>
           <a:p>
             <a:pPr lvl="1"/>
             <a:r>
-              <a:rPr lang="en-US"/>
+              <a:rPr lang="en-US" dirty="0"/>
               <a:t>Processing power (ignored in theoretical analysis)</a:t>
             </a:r>
           </a:p>
           <a:p>
             <a:r>
-              <a:rPr lang="en-US"/>
+              <a:rPr lang="en-US" dirty="0"/>
               <a:t>Analyzed by counting the number of basic operations</a:t>
             </a:r>
           </a:p>
           <a:p>
             <a:pPr lvl="1"/>
             <a:r>
-              <a:rPr lang="en-US"/>
+              <a:rPr lang="en-US" dirty="0"/>
               <a:t>Though you’ll note, we don’t include constants in our conclusion</a:t>
             </a:r>
           </a:p>
           <a:p>
             <a:pPr lvl="2"/>
             <a:r>
-              <a:rPr lang="en-US"/>
+              <a:rPr lang="en-US" dirty="0"/>
               <a:t>i.e. O(n/2) is still linear and so is still O(n).</a:t>
             </a:r>
           </a:p>
           <a:p>
             <a:pPr lvl="2"/>
             <a:r>
-              <a:rPr lang="en-US"/>
+              <a:rPr lang="en-US" dirty="0"/>
               <a:t>O(10</a:t>
             </a:r>
             <a:r>
-              <a:rPr lang="en-US" baseline="30000"/>
+              <a:rPr lang="en-US" baseline="30000" dirty="0"/>
               <a:t>12</a:t>
             </a:r>
             <a:r>
-              <a:rPr lang="en-US"/>
+              <a:rPr lang="en-US" dirty="0"/>
               <a:t>n) is still linear, still O(n)</a:t>
             </a:r>
           </a:p>
           <a:p>
-            <a:endParaRPr lang="en-US"/>
+            <a:endParaRPr lang="en-US" dirty="0"/>
           </a:p>
         </p:txBody>
       </p:sp>
@@ -4305,60 +4310,60 @@
           <a:lstStyle/>
           <a:p>
             <a:r>
-              <a:rPr lang="en-US"/>
+              <a:rPr lang="en-US" dirty="0"/>
               <a:t>Multiple recursive calls per invocation</a:t>
             </a:r>
           </a:p>
           <a:p>
             <a:r>
-              <a:rPr lang="en-US"/>
+              <a:rPr lang="en-US" dirty="0"/>
               <a:t>Exponential time complexity O(2</a:t>
             </a:r>
             <a:r>
-              <a:rPr lang="en-US" baseline="30000"/>
+              <a:rPr lang="en-US" baseline="30000" dirty="0"/>
               <a:t>n</a:t>
             </a:r>
             <a:r>
-              <a:rPr lang="en-US"/>
+              <a:rPr lang="en-US" dirty="0"/>
               <a:t>)</a:t>
             </a:r>
           </a:p>
           <a:p>
             <a:r>
-              <a:rPr lang="en-US"/>
+              <a:rPr lang="en-US" dirty="0"/>
               <a:t>Space Complexity: O(n)</a:t>
             </a:r>
           </a:p>
           <a:p>
             <a:r>
-              <a:rPr lang="en-US"/>
+              <a:rPr lang="en-US" dirty="0"/>
               <a:t>Towers of Hanoi: Three pegs (source, auxiliary, and target) and a number of disks of different sizes. The goal is to move all disks from the source peg to the target peg, following these rules:</a:t>
             </a:r>
           </a:p>
           <a:p>
             <a:pPr lvl="1"/>
             <a:r>
-              <a:rPr lang="en-US"/>
+              <a:rPr lang="en-US" dirty="0"/>
               <a:t>Only one disk can be moved at a time</a:t>
             </a:r>
           </a:p>
           <a:p>
             <a:pPr lvl="1"/>
             <a:r>
-              <a:rPr lang="en-US"/>
+              <a:rPr lang="en-US" dirty="0"/>
               <a:t>A larger disk cannot be placed on top of a smaller disk</a:t>
             </a:r>
           </a:p>
           <a:p>
             <a:pPr lvl="1"/>
             <a:r>
-              <a:rPr lang="en-US"/>
+              <a:rPr lang="en-US" dirty="0"/>
               <a:t>All disks start on the source peg in decreasing size order (largest at bottom)</a:t>
             </a:r>
           </a:p>
           <a:p>
             <a:r>
-              <a:rPr lang="en-US"/>
+              <a:rPr lang="en-US" dirty="0"/>
               <a:t>https://www.mathsisfun.com/games/towerofhanoi.html</a:t>
             </a:r>
           </a:p>
@@ -4366,13 +4371,13 @@
             <a:pPr marL="0" indent="0">
               <a:buNone/>
             </a:pPr>
-            <a:endParaRPr lang="en-US"/>
+            <a:endParaRPr lang="en-US" dirty="0"/>
           </a:p>
           <a:p>
             <a:pPr marL="0" indent="0">
               <a:buNone/>
             </a:pPr>
-            <a:endParaRPr lang="en-US"/>
+            <a:endParaRPr lang="en-US" dirty="0"/>
           </a:p>
         </p:txBody>
       </p:sp>
@@ -5220,61 +5225,69 @@
           <a:lstStyle/>
           <a:p>
             <a:r>
-              <a:rPr lang="en-US"/>
+              <a:rPr lang="en-US" dirty="0"/>
               <a:t>Trees are one of the most common data structures that we use recursion for</a:t>
             </a:r>
           </a:p>
           <a:p>
             <a:r>
-              <a:rPr lang="en-US"/>
+              <a:rPr lang="en-US" dirty="0"/>
               <a:t>Traversals:</a:t>
             </a:r>
           </a:p>
           <a:p>
             <a:pPr lvl="1"/>
             <a:r>
-              <a:rPr lang="en-US"/>
+              <a:rPr lang="en-US" dirty="0"/>
               <a:t>Preorder: Note the node upon first sight</a:t>
             </a:r>
           </a:p>
           <a:p>
             <a:pPr lvl="1"/>
             <a:r>
-              <a:rPr lang="en-US"/>
-              <a:t>Inorder: Note the node as you move to the right</a:t>
+              <a:rPr lang="en-US" dirty="0" err="1"/>
+              <a:t>Inorder</a:t>
+            </a:r>
+            <a:r>
+              <a:rPr lang="en-US" dirty="0"/>
+              <a:t>: Note the node as you move to the right</a:t>
             </a:r>
           </a:p>
           <a:p>
             <a:pPr lvl="1"/>
             <a:r>
-              <a:rPr lang="en-US"/>
-              <a:t>Postorder: Note the node upon last sight</a:t>
-            </a:r>
-          </a:p>
-          <a:p>
-            <a:r>
-              <a:rPr lang="en-US"/>
+              <a:rPr lang="en-US" dirty="0" err="1"/>
+              <a:t>Postorder</a:t>
+            </a:r>
+            <a:r>
+              <a:rPr lang="en-US" dirty="0"/>
+              <a:t>: Note the node upon last sight</a:t>
+            </a:r>
+          </a:p>
+          <a:p>
+            <a:r>
+              <a:rPr lang="en-US" dirty="0"/>
               <a:t>Searching:</a:t>
             </a:r>
           </a:p>
           <a:p>
             <a:pPr lvl="1"/>
             <a:r>
-              <a:rPr lang="en-US"/>
+              <a:rPr lang="en-US" dirty="0"/>
               <a:t>If unsorted, check if the root is the node you're looking for</a:t>
             </a:r>
           </a:p>
           <a:p>
             <a:pPr lvl="1"/>
             <a:r>
-              <a:rPr lang="en-US"/>
+              <a:rPr lang="en-US" dirty="0"/>
               <a:t>Else, check if its in the left subtree.</a:t>
             </a:r>
           </a:p>
           <a:p>
             <a:pPr lvl="1"/>
             <a:r>
-              <a:rPr lang="en-US"/>
+              <a:rPr lang="en-US" dirty="0"/>
               <a:t>If it's not, check if its in the right subtree.</a:t>
             </a:r>
           </a:p>
@@ -8256,6 +8269,15 @@
 </file>
 
 <file path=customXml/item1.xml><?xml version="1.0" encoding="utf-8"?>
+<?mso-contentType ?>
+<FormTemplates xmlns="http://schemas.microsoft.com/sharepoint/v3/contenttype/forms">
+  <Display>DocumentLibraryForm</Display>
+  <Edit>DocumentLibraryForm</Edit>
+  <New>DocumentLibraryForm</New>
+</FormTemplates>
+</file>
+
+<file path=customXml/item2.xml><?xml version="1.0" encoding="utf-8"?>
 <ct:contentTypeSchema xmlns:ct="http://schemas.microsoft.com/office/2006/metadata/contentType" xmlns:ma="http://schemas.microsoft.com/office/2006/metadata/properties/metaAttributes" ct:_="" ma:_="" ma:contentTypeName="Document" ma:contentTypeID="0x01010016D704534A03014EA0A765F523554C39" ma:contentTypeVersion="9" ma:contentTypeDescription="Create a new document." ma:contentTypeScope="" ma:versionID="a7f201186b797fa82a7ea05829ae062d">
   <xsd:schema xmlns:xsd="http://www.w3.org/2001/XMLSchema" xmlns:xs="http://www.w3.org/2001/XMLSchema" xmlns:p="http://schemas.microsoft.com/office/2006/metadata/properties" xmlns:ns3="b493cd53-86a4-4a5b-875f-8398292009c1" targetNamespace="http://schemas.microsoft.com/office/2006/metadata/properties" ma:root="true" ma:fieldsID="fb21e08234aaaf12472100e267e36b79" ns3:_="">
     <xsd:import namespace="b493cd53-86a4-4a5b-875f-8398292009c1"/>
@@ -8433,15 +8455,6 @@
 </ct:contentTypeSchema>
 </file>
 
-<file path=customXml/item2.xml><?xml version="1.0" encoding="utf-8"?>
-<?mso-contentType ?>
-<FormTemplates xmlns="http://schemas.microsoft.com/sharepoint/v3/contenttype/forms">
-  <Display>DocumentLibraryForm</Display>
-  <Edit>DocumentLibraryForm</Edit>
-  <New>DocumentLibraryForm</New>
-</FormTemplates>
-</file>
-
 <file path=customXml/item3.xml><?xml version="1.0" encoding="utf-8"?>
 <p:properties xmlns:p="http://schemas.microsoft.com/office/2006/metadata/properties" xmlns:xsi="http://www.w3.org/2001/XMLSchema-instance" xmlns:pc="http://schemas.microsoft.com/office/infopath/2007/PartnerControls">
   <documentManagement/>
@@ -8449,6 +8462,14 @@
 </file>
 
 <file path=customXml/itemProps1.xml><?xml version="1.0" encoding="utf-8"?>
+<ds:datastoreItem xmlns:ds="http://schemas.openxmlformats.org/officeDocument/2006/customXml" ds:itemID="{69A74975-B013-45FE-BDF6-88DBA4C6F2FE}">
+  <ds:schemaRefs>
+    <ds:schemaRef ds:uri="http://schemas.microsoft.com/sharepoint/v3/contenttype/forms"/>
+  </ds:schemaRefs>
+</ds:datastoreItem>
+</file>
+
+<file path=customXml/itemProps2.xml><?xml version="1.0" encoding="utf-8"?>
 <ds:datastoreItem xmlns:ds="http://schemas.openxmlformats.org/officeDocument/2006/customXml" ds:itemID="{A16B8812-1F9E-4444-94D2-FDA791202168}">
   <ds:schemaRefs>
     <ds:schemaRef ds:uri="http://schemas.microsoft.com/office/2006/metadata/contentType"/>
@@ -8462,14 +8483,6 @@
     <ds:schemaRef ds:uri="http://purl.org/dc/elements/1.1/"/>
     <ds:schemaRef ds:uri="http://purl.org/dc/terms/"/>
     <ds:schemaRef ds:uri="http://schemas.microsoft.com/internal/obd"/>
-  </ds:schemaRefs>
-</ds:datastoreItem>
-</file>
-
-<file path=customXml/itemProps2.xml><?xml version="1.0" encoding="utf-8"?>
-<ds:datastoreItem xmlns:ds="http://schemas.openxmlformats.org/officeDocument/2006/customXml" ds:itemID="{69A74975-B013-45FE-BDF6-88DBA4C6F2FE}">
-  <ds:schemaRefs>
-    <ds:schemaRef ds:uri="http://schemas.microsoft.com/sharepoint/v3/contenttype/forms"/>
   </ds:schemaRefs>
 </ds:datastoreItem>
 </file>
